--- a/Topic 1 - Introduction to mobile development using Angularjs.pptx
+++ b/Topic 1 - Introduction to mobile development using Angularjs.pptx
@@ -6,7 +6,7 @@
     <p:sldMasterId id="2147483683" r:id="rId2"/>
   </p:sldMasterIdLst>
   <p:notesMasterIdLst>
-    <p:notesMasterId r:id="rId16"/>
+    <p:notesMasterId r:id="rId17"/>
   </p:notesMasterIdLst>
   <p:sldIdLst>
     <p:sldId id="256" r:id="rId3"/>
@@ -20,8 +20,9 @@
     <p:sldId id="266" r:id="rId11"/>
     <p:sldId id="267" r:id="rId12"/>
     <p:sldId id="268" r:id="rId13"/>
-    <p:sldId id="257" r:id="rId14"/>
-    <p:sldId id="258" r:id="rId15"/>
+    <p:sldId id="269" r:id="rId14"/>
+    <p:sldId id="257" r:id="rId15"/>
+    <p:sldId id="258" r:id="rId16"/>
   </p:sldIdLst>
   <p:sldSz cx="9144000" cy="6858000" type="screen4x3"/>
   <p:notesSz cx="6858000" cy="9144000"/>
@@ -222,7 +223,7 @@
             <a:fld id="{D91D3FBD-62F4-4ED0-9354-F8FF9AEA5D75}" type="datetimeFigureOut">
               <a:rPr lang="en-US" smtClean="0"/>
               <a:pPr/>
-              <a:t>11/11/2014</a:t>
+              <a:t>11/12/2014</a:t>
             </a:fld>
             <a:endParaRPr lang="en-US"/>
           </a:p>
@@ -569,7 +570,7 @@
             <a:fld id="{4A90B5A7-32BB-4CD2-92F9-D64BC015E7BA}" type="slidenum">
               <a:rPr lang="en-US" smtClean="0"/>
               <a:pPr/>
-              <a:t>13</a:t>
+              <a:t>14</a:t>
             </a:fld>
             <a:endParaRPr lang="en-US"/>
           </a:p>
@@ -779,7 +780,7 @@
               <a:pPr>
                 <a:defRPr/>
               </a:pPr>
-              <a:t>11/11/2014</a:t>
+              <a:t>11/12/2014</a:t>
             </a:fld>
             <a:endParaRPr lang="en-US"/>
           </a:p>
@@ -976,7 +977,7 @@
               <a:pPr>
                 <a:defRPr/>
               </a:pPr>
-              <a:t>11/11/2014</a:t>
+              <a:t>11/12/2014</a:t>
             </a:fld>
             <a:endParaRPr lang="en-US"/>
           </a:p>
@@ -1183,7 +1184,7 @@
               <a:pPr>
                 <a:defRPr/>
               </a:pPr>
-              <a:t>11/11/2014</a:t>
+              <a:t>11/12/2014</a:t>
             </a:fld>
             <a:endParaRPr lang="en-US"/>
           </a:p>
@@ -3896,7 +3897,7 @@
               <a:pPr>
                 <a:defRPr/>
               </a:pPr>
-              <a:t>11/11/2014</a:t>
+              <a:t>11/12/2014</a:t>
             </a:fld>
             <a:endParaRPr lang="en-US"/>
           </a:p>
@@ -4863,7 +4864,6 @@
               <a:rPr lang="en-US" noProof="0" smtClean="0"/>
               <a:t>Click icon to add picture</a:t>
             </a:r>
-            <a:endParaRPr lang="en-US" noProof="0" smtClean="0"/>
           </a:p>
         </p:txBody>
       </p:sp>
@@ -5296,7 +5296,7 @@
             <a:fld id="{164621B0-3B52-42A5-B03F-1F0DA6E08D21}" type="datetimeFigureOut">
               <a:rPr lang="en-US" smtClean="0"/>
               <a:pPr/>
-              <a:t>11/11/2014</a:t>
+              <a:t>11/12/2014</a:t>
             </a:fld>
             <a:endParaRPr lang="en-US"/>
           </a:p>
@@ -5576,7 +5576,7 @@
               <a:pPr>
                 <a:defRPr/>
               </a:pPr>
-              <a:t>11/11/2014</a:t>
+              <a:t>11/12/2014</a:t>
             </a:fld>
             <a:endParaRPr lang="en-US"/>
           </a:p>
@@ -5891,7 +5891,7 @@
               <a:pPr>
                 <a:defRPr/>
               </a:pPr>
-              <a:t>11/11/2014</a:t>
+              <a:t>11/12/2014</a:t>
             </a:fld>
             <a:endParaRPr lang="en-US"/>
           </a:p>
@@ -6340,7 +6340,7 @@
               <a:pPr>
                 <a:defRPr/>
               </a:pPr>
-              <a:t>11/11/2014</a:t>
+              <a:t>11/12/2014</a:t>
             </a:fld>
             <a:endParaRPr lang="en-US"/>
           </a:p>
@@ -6485,7 +6485,7 @@
               <a:pPr>
                 <a:defRPr/>
               </a:pPr>
-              <a:t>11/11/2014</a:t>
+              <a:t>11/12/2014</a:t>
             </a:fld>
             <a:endParaRPr lang="en-US"/>
           </a:p>
@@ -6607,7 +6607,7 @@
               <a:pPr>
                 <a:defRPr/>
               </a:pPr>
-              <a:t>11/11/2014</a:t>
+              <a:t>11/12/2014</a:t>
             </a:fld>
             <a:endParaRPr lang="en-US"/>
           </a:p>
@@ -6911,7 +6911,7 @@
               <a:pPr>
                 <a:defRPr/>
               </a:pPr>
-              <a:t>11/11/2014</a:t>
+              <a:t>11/12/2014</a:t>
             </a:fld>
             <a:endParaRPr lang="en-US"/>
           </a:p>
@@ -7197,7 +7197,7 @@
               <a:pPr>
                 <a:defRPr/>
               </a:pPr>
-              <a:t>11/11/2014</a:t>
+              <a:t>11/12/2014</a:t>
             </a:fld>
             <a:endParaRPr lang="en-US"/>
           </a:p>
@@ -7488,7 +7488,7 @@
               <a:pPr>
                 <a:defRPr/>
               </a:pPr>
-              <a:t>11/11/2014</a:t>
+              <a:t>11/12/2014</a:t>
             </a:fld>
             <a:endParaRPr lang="en-US"/>
           </a:p>
@@ -8132,7 +8132,6 @@
               <a:rPr lang="en-US" altLang="en-US" smtClean="0"/>
               <a:t>Click to edit Master title style</a:t>
             </a:r>
-            <a:endParaRPr lang="en-US" altLang="en-US" smtClean="0"/>
           </a:p>
         </p:txBody>
       </p:sp>
@@ -8219,7 +8218,6 @@
               <a:rPr lang="en-US" altLang="en-US" smtClean="0"/>
               <a:t>Fifth level</a:t>
             </a:r>
-            <a:endParaRPr lang="en-US" altLang="en-US" smtClean="0"/>
           </a:p>
         </p:txBody>
       </p:sp>
@@ -8923,15 +8921,7 @@
           <a:p>
             <a:r>
               <a:rPr lang="en-US" dirty="0" smtClean="0"/>
-              <a:t>Introduction </a:t>
-            </a:r>
-            <a:r>
-              <a:rPr lang="en-US" smtClean="0"/>
-              <a:t>to web development </a:t>
-            </a:r>
-            <a:r>
-              <a:rPr lang="en-US" dirty="0" smtClean="0"/>
-              <a:t>using </a:t>
+              <a:t>Introduction to web development using </a:t>
             </a:r>
             <a:r>
               <a:rPr lang="en-US" dirty="0" err="1" smtClean="0"/>
@@ -9253,6 +9243,117 @@
 </file>
 
 <file path=ppt/slides/slide12.xml><?xml version="1.0" encoding="utf-8"?>
+<p:sld xmlns:a="http://schemas.openxmlformats.org/drawingml/2006/main" xmlns:r="http://schemas.openxmlformats.org/officeDocument/2006/relationships" xmlns:p="http://schemas.openxmlformats.org/presentationml/2006/main">
+  <p:cSld>
+    <p:spTree>
+      <p:nvGrpSpPr>
+        <p:cNvPr id="1" name=""/>
+        <p:cNvGrpSpPr/>
+        <p:nvPr/>
+      </p:nvGrpSpPr>
+      <p:grpSpPr>
+        <a:xfrm>
+          <a:off x="0" y="0"/>
+          <a:ext cx="0" cy="0"/>
+          <a:chOff x="0" y="0"/>
+          <a:chExt cx="0" cy="0"/>
+        </a:xfrm>
+      </p:grpSpPr>
+      <p:sp>
+        <p:nvSpPr>
+          <p:cNvPr id="2" name="Title 1"/>
+          <p:cNvSpPr>
+            <a:spLocks noGrp="1"/>
+          </p:cNvSpPr>
+          <p:nvPr>
+            <p:ph type="title"/>
+          </p:nvPr>
+        </p:nvSpPr>
+        <p:spPr/>
+        <p:txBody>
+          <a:bodyPr/>
+          <a:lstStyle/>
+          <a:p>
+            <a:r>
+              <a:rPr lang="en-US" dirty="0" smtClean="0"/>
+              <a:t>What’s next in v2?</a:t>
+            </a:r>
+            <a:endParaRPr lang="en-US" dirty="0"/>
+          </a:p>
+        </p:txBody>
+      </p:sp>
+      <p:sp>
+        <p:nvSpPr>
+          <p:cNvPr id="3" name="Content Placeholder 2"/>
+          <p:cNvSpPr>
+            <a:spLocks noGrp="1"/>
+          </p:cNvSpPr>
+          <p:nvPr>
+            <p:ph idx="1"/>
+          </p:nvPr>
+        </p:nvSpPr>
+        <p:spPr/>
+        <p:txBody>
+          <a:bodyPr/>
+          <a:lstStyle/>
+          <a:p>
+            <a:r>
+              <a:rPr lang="en-US" dirty="0" smtClean="0"/>
+              <a:t>Proposed re-write, not an upgrade</a:t>
+            </a:r>
+          </a:p>
+          <a:p>
+            <a:endParaRPr lang="en-US" dirty="0" smtClean="0"/>
+          </a:p>
+          <a:p>
+            <a:r>
+              <a:rPr lang="en-US" dirty="0" smtClean="0"/>
+              <a:t>Support ES6</a:t>
+            </a:r>
+          </a:p>
+          <a:p>
+            <a:endParaRPr lang="en-US" dirty="0" smtClean="0"/>
+          </a:p>
+          <a:p>
+            <a:r>
+              <a:rPr lang="en-US" dirty="0" smtClean="0"/>
+              <a:t>Performance updates (</a:t>
+            </a:r>
+            <a:r>
+              <a:rPr lang="en-US" dirty="0" err="1" smtClean="0"/>
+              <a:t>jLite</a:t>
+            </a:r>
+            <a:r>
+              <a:rPr lang="en-US" dirty="0" smtClean="0"/>
+              <a:t>, two-way binding)</a:t>
+            </a:r>
+          </a:p>
+          <a:p>
+            <a:endParaRPr lang="en-US" dirty="0" smtClean="0"/>
+          </a:p>
+          <a:p>
+            <a:r>
+              <a:rPr lang="en-US" dirty="0" smtClean="0"/>
+              <a:t>Simplify DI &amp; Directives</a:t>
+            </a:r>
+            <a:endParaRPr lang="en-US" dirty="0"/>
+          </a:p>
+        </p:txBody>
+      </p:sp>
+    </p:spTree>
+    <p:extLst>
+      <p:ext uri="{BB962C8B-B14F-4D97-AF65-F5344CB8AC3E}">
+        <p14:creationId xmlns:p14="http://schemas.microsoft.com/office/powerpoint/2010/main" val="1550298688"/>
+      </p:ext>
+    </p:extLst>
+  </p:cSld>
+  <p:clrMapOvr>
+    <a:masterClrMapping/>
+  </p:clrMapOvr>
+</p:sld>
+</file>
+
+<file path=ppt/slides/slide13.xml><?xml version="1.0" encoding="utf-8"?>
 <p:sld xmlns:a="http://schemas.openxmlformats.org/drawingml/2006/main" xmlns:r="http://schemas.openxmlformats.org/officeDocument/2006/relationships" xmlns:p="http://schemas.openxmlformats.org/presentationml/2006/main">
   <p:cSld>
     <p:spTree>
@@ -9346,7 +9447,7 @@
 </p:sld>
 </file>
 
-<file path=ppt/slides/slide13.xml><?xml version="1.0" encoding="utf-8"?>
+<file path=ppt/slides/slide14.xml><?xml version="1.0" encoding="utf-8"?>
 <p:sld xmlns:a="http://schemas.openxmlformats.org/drawingml/2006/main" xmlns:r="http://schemas.openxmlformats.org/officeDocument/2006/relationships" xmlns:p="http://schemas.openxmlformats.org/presentationml/2006/main">
   <p:cSld>
     <p:spTree>
@@ -9511,15 +9612,29 @@
             </a:r>
           </a:p>
           <a:p>
+            <a:endParaRPr lang="en-US" dirty="0" smtClean="0"/>
+          </a:p>
+          <a:p>
             <a:r>
               <a:rPr lang="en-US" dirty="0" smtClean="0"/>
-              <a:t>MCSD: Web Applications</a:t>
-            </a:r>
+              <a:t>MCSD</a:t>
+            </a:r>
+            <a:r>
+              <a:rPr lang="en-US" dirty="0" smtClean="0"/>
+              <a:t>: Web Applications</a:t>
+            </a:r>
+          </a:p>
+          <a:p>
+            <a:endParaRPr lang="en-US" dirty="0" smtClean="0"/>
           </a:p>
           <a:p>
             <a:r>
               <a:rPr lang="en-US" dirty="0" err="1" smtClean="0"/>
-              <a:t>.Net</a:t>
+              <a:t>.</a:t>
+            </a:r>
+            <a:r>
+              <a:rPr lang="en-US" dirty="0" err="1" smtClean="0"/>
+              <a:t>Net</a:t>
             </a:r>
             <a:r>
               <a:rPr lang="en-US" dirty="0" smtClean="0"/>
@@ -9527,21 +9642,42 @@
             </a:r>
           </a:p>
           <a:p>
+            <a:endParaRPr lang="en-US" dirty="0" smtClean="0"/>
+          </a:p>
+          <a:p>
             <a:r>
               <a:rPr lang="en-US" dirty="0" smtClean="0"/>
-              <a:t>Sr. Consultant with Celerity</a:t>
-            </a:r>
-          </a:p>
-          <a:p>
+              <a:t>Sr</a:t>
+            </a:r>
             <a:r>
               <a:rPr lang="en-US" dirty="0" smtClean="0"/>
-              <a:t>Avid home brewer</a:t>
-            </a:r>
+              <a:t>. Consultant with Celerity</a:t>
+            </a:r>
+          </a:p>
+          <a:p>
+            <a:endParaRPr lang="en-US" dirty="0" smtClean="0"/>
           </a:p>
           <a:p>
             <a:r>
               <a:rPr lang="en-US" dirty="0" smtClean="0"/>
-              <a:t>Father to 2 beautiful daughters</a:t>
+              <a:t>Avid </a:t>
+            </a:r>
+            <a:r>
+              <a:rPr lang="en-US" dirty="0" smtClean="0"/>
+              <a:t>home brewer</a:t>
+            </a:r>
+          </a:p>
+          <a:p>
+            <a:endParaRPr lang="en-US" dirty="0" smtClean="0"/>
+          </a:p>
+          <a:p>
+            <a:r>
+              <a:rPr lang="en-US" dirty="0" smtClean="0"/>
+              <a:t>Father </a:t>
+            </a:r>
+            <a:r>
+              <a:rPr lang="en-US" dirty="0" smtClean="0"/>
+              <a:t>to 2 beautiful daughters</a:t>
             </a:r>
           </a:p>
         </p:txBody>
@@ -10305,8 +10441,15 @@
           <a:p>
             <a:r>
               <a:rPr lang="en-US" dirty="0" smtClean="0"/>
-              <a:t>Scope is defined by the controller</a:t>
-            </a:r>
+              <a:t>Scope is defined by the </a:t>
+            </a:r>
+            <a:r>
+              <a:rPr lang="en-US" dirty="0" smtClean="0"/>
+              <a:t>controller</a:t>
+            </a:r>
+          </a:p>
+          <a:p>
+            <a:endParaRPr lang="en-US" dirty="0" smtClean="0"/>
           </a:p>
           <a:p>
             <a:r>
